--- a/MVCApp/Functionality.pptx
+++ b/MVCApp/Functionality.pptx
@@ -109,6 +109,11 @@
       </a:defRPr>
     </a:lvl9pPr>
   </p:defaultTextStyle>
+  <p:extLst>
+    <p:ext uri="{EFAFB233-063F-42B5-8137-9DF3F51BA10A}">
+      <p15:sldGuideLst xmlns:p15="http://schemas.microsoft.com/office/powerpoint/2012/main"/>
+    </p:ext>
+  </p:extLst>
 </p:presentation>
 </file>
 
@@ -243,7 +248,7 @@
           <a:p>
             <a:fld id="{F9D542BD-E463-4ADF-A1CB-77E2F2BE9535}" type="datetimeFigureOut">
               <a:rPr lang="en-US" smtClean="0"/>
-              <a:t>8/31/2014</a:t>
+              <a:t>9/6/2014</a:t>
             </a:fld>
             <a:endParaRPr lang="en-US"/>
           </a:p>
@@ -413,7 +418,7 @@
           <a:p>
             <a:fld id="{F9D542BD-E463-4ADF-A1CB-77E2F2BE9535}" type="datetimeFigureOut">
               <a:rPr lang="en-US" smtClean="0"/>
-              <a:t>8/31/2014</a:t>
+              <a:t>9/6/2014</a:t>
             </a:fld>
             <a:endParaRPr lang="en-US"/>
           </a:p>
@@ -593,7 +598,7 @@
           <a:p>
             <a:fld id="{F9D542BD-E463-4ADF-A1CB-77E2F2BE9535}" type="datetimeFigureOut">
               <a:rPr lang="en-US" smtClean="0"/>
-              <a:t>8/31/2014</a:t>
+              <a:t>9/6/2014</a:t>
             </a:fld>
             <a:endParaRPr lang="en-US"/>
           </a:p>
@@ -763,7 +768,7 @@
           <a:p>
             <a:fld id="{F9D542BD-E463-4ADF-A1CB-77E2F2BE9535}" type="datetimeFigureOut">
               <a:rPr lang="en-US" smtClean="0"/>
-              <a:t>8/31/2014</a:t>
+              <a:t>9/6/2014</a:t>
             </a:fld>
             <a:endParaRPr lang="en-US"/>
           </a:p>
@@ -1009,7 +1014,7 @@
           <a:p>
             <a:fld id="{F9D542BD-E463-4ADF-A1CB-77E2F2BE9535}" type="datetimeFigureOut">
               <a:rPr lang="en-US" smtClean="0"/>
-              <a:t>8/31/2014</a:t>
+              <a:t>9/6/2014</a:t>
             </a:fld>
             <a:endParaRPr lang="en-US"/>
           </a:p>
@@ -1241,7 +1246,7 @@
           <a:p>
             <a:fld id="{F9D542BD-E463-4ADF-A1CB-77E2F2BE9535}" type="datetimeFigureOut">
               <a:rPr lang="en-US" smtClean="0"/>
-              <a:t>8/31/2014</a:t>
+              <a:t>9/6/2014</a:t>
             </a:fld>
             <a:endParaRPr lang="en-US"/>
           </a:p>
@@ -1608,7 +1613,7 @@
           <a:p>
             <a:fld id="{F9D542BD-E463-4ADF-A1CB-77E2F2BE9535}" type="datetimeFigureOut">
               <a:rPr lang="en-US" smtClean="0"/>
-              <a:t>8/31/2014</a:t>
+              <a:t>9/6/2014</a:t>
             </a:fld>
             <a:endParaRPr lang="en-US"/>
           </a:p>
@@ -1726,7 +1731,7 @@
           <a:p>
             <a:fld id="{F9D542BD-E463-4ADF-A1CB-77E2F2BE9535}" type="datetimeFigureOut">
               <a:rPr lang="en-US" smtClean="0"/>
-              <a:t>8/31/2014</a:t>
+              <a:t>9/6/2014</a:t>
             </a:fld>
             <a:endParaRPr lang="en-US"/>
           </a:p>
@@ -1821,7 +1826,7 @@
           <a:p>
             <a:fld id="{F9D542BD-E463-4ADF-A1CB-77E2F2BE9535}" type="datetimeFigureOut">
               <a:rPr lang="en-US" smtClean="0"/>
-              <a:t>8/31/2014</a:t>
+              <a:t>9/6/2014</a:t>
             </a:fld>
             <a:endParaRPr lang="en-US"/>
           </a:p>
@@ -2098,7 +2103,7 @@
           <a:p>
             <a:fld id="{F9D542BD-E463-4ADF-A1CB-77E2F2BE9535}" type="datetimeFigureOut">
               <a:rPr lang="en-US" smtClean="0"/>
-              <a:t>8/31/2014</a:t>
+              <a:t>9/6/2014</a:t>
             </a:fld>
             <a:endParaRPr lang="en-US"/>
           </a:p>
@@ -2351,7 +2356,7 @@
           <a:p>
             <a:fld id="{F9D542BD-E463-4ADF-A1CB-77E2F2BE9535}" type="datetimeFigureOut">
               <a:rPr lang="en-US" smtClean="0"/>
-              <a:t>8/31/2014</a:t>
+              <a:t>9/6/2014</a:t>
             </a:fld>
             <a:endParaRPr lang="en-US"/>
           </a:p>
@@ -2564,7 +2569,7 @@
           <a:p>
             <a:fld id="{F9D542BD-E463-4ADF-A1CB-77E2F2BE9535}" type="datetimeFigureOut">
               <a:rPr lang="en-US" smtClean="0"/>
-              <a:t>8/31/2014</a:t>
+              <a:t>9/6/2014</a:t>
             </a:fld>
             <a:endParaRPr lang="en-US"/>
           </a:p>
@@ -4231,6 +4236,50 @@
           </a:p>
         </p:txBody>
       </p:sp>
+      <p:sp>
+        <p:nvSpPr>
+          <p:cNvPr id="9" name="Rectangle 8"/>
+          <p:cNvSpPr/>
+          <p:nvPr/>
+        </p:nvSpPr>
+        <p:spPr>
+          <a:xfrm>
+            <a:off x="8470232" y="1359573"/>
+            <a:ext cx="1311442" cy="589547"/>
+          </a:xfrm>
+          <a:prstGeom prst="rect">
+            <a:avLst/>
+          </a:prstGeom>
+        </p:spPr>
+        <p:style>
+          <a:lnRef idx="2">
+            <a:schemeClr val="accent1">
+              <a:shade val="50000"/>
+            </a:schemeClr>
+          </a:lnRef>
+          <a:fillRef idx="1">
+            <a:schemeClr val="accent1"/>
+          </a:fillRef>
+          <a:effectRef idx="0">
+            <a:schemeClr val="accent1"/>
+          </a:effectRef>
+          <a:fontRef idx="minor">
+            <a:schemeClr val="lt1"/>
+          </a:fontRef>
+        </p:style>
+        <p:txBody>
+          <a:bodyPr rtlCol="0" anchor="ctr"/>
+          <a:lstStyle/>
+          <a:p>
+            <a:pPr algn="ctr"/>
+            <a:r>
+              <a:rPr lang="en-US" dirty="0" smtClean="0"/>
+              <a:t>Home</a:t>
+            </a:r>
+            <a:endParaRPr lang="en-US" dirty="0"/>
+          </a:p>
+        </p:txBody>
+      </p:sp>
     </p:spTree>
     <p:extLst>
       <p:ext uri="{BB962C8B-B14F-4D97-AF65-F5344CB8AC3E}">
@@ -4408,7 +4457,7 @@
         </p:nvSpPr>
         <p:spPr>
           <a:xfrm>
-            <a:off x="4355432" y="2767262"/>
+            <a:off x="4355432" y="2755230"/>
             <a:ext cx="3296652" cy="457200"/>
           </a:xfrm>
           <a:prstGeom prst="rect">
